--- a/100 - Analog Electronics Fundamentals/Analog Electronics Fundamentals 104.pptx
+++ b/100 - Analog Electronics Fundamentals/Analog Electronics Fundamentals 104.pptx
@@ -292,7 +292,7 @@
             <a:fld id="{29A1C4C6-CF9E-4C57-810C-C8B73CF99206}" type="datetimeFigureOut">
               <a:rPr lang="en-CA" smtClean="0"/>
               <a:pPr/>
-              <a:t>23/07/2012</a:t>
+              <a:t>24/07/2012</a:t>
             </a:fld>
             <a:endParaRPr lang="en-CA"/>
           </a:p>
@@ -459,7 +459,7 @@
             <a:fld id="{29A1C4C6-CF9E-4C57-810C-C8B73CF99206}" type="datetimeFigureOut">
               <a:rPr lang="en-CA" smtClean="0"/>
               <a:pPr/>
-              <a:t>23/07/2012</a:t>
+              <a:t>24/07/2012</a:t>
             </a:fld>
             <a:endParaRPr lang="en-CA"/>
           </a:p>
@@ -636,7 +636,7 @@
             <a:fld id="{29A1C4C6-CF9E-4C57-810C-C8B73CF99206}" type="datetimeFigureOut">
               <a:rPr lang="en-CA" smtClean="0"/>
               <a:pPr/>
-              <a:t>23/07/2012</a:t>
+              <a:t>24/07/2012</a:t>
             </a:fld>
             <a:endParaRPr lang="en-CA"/>
           </a:p>
@@ -803,7 +803,7 @@
             <a:fld id="{29A1C4C6-CF9E-4C57-810C-C8B73CF99206}" type="datetimeFigureOut">
               <a:rPr lang="en-CA" smtClean="0"/>
               <a:pPr/>
-              <a:t>23/07/2012</a:t>
+              <a:t>24/07/2012</a:t>
             </a:fld>
             <a:endParaRPr lang="en-CA"/>
           </a:p>
@@ -1046,7 +1046,7 @@
             <a:fld id="{29A1C4C6-CF9E-4C57-810C-C8B73CF99206}" type="datetimeFigureOut">
               <a:rPr lang="en-CA" smtClean="0"/>
               <a:pPr/>
-              <a:t>23/07/2012</a:t>
+              <a:t>24/07/2012</a:t>
             </a:fld>
             <a:endParaRPr lang="en-CA"/>
           </a:p>
@@ -1331,7 +1331,7 @@
             <a:fld id="{29A1C4C6-CF9E-4C57-810C-C8B73CF99206}" type="datetimeFigureOut">
               <a:rPr lang="en-CA" smtClean="0"/>
               <a:pPr/>
-              <a:t>23/07/2012</a:t>
+              <a:t>24/07/2012</a:t>
             </a:fld>
             <a:endParaRPr lang="en-CA"/>
           </a:p>
@@ -1750,7 +1750,7 @@
             <a:fld id="{29A1C4C6-CF9E-4C57-810C-C8B73CF99206}" type="datetimeFigureOut">
               <a:rPr lang="en-CA" smtClean="0"/>
               <a:pPr/>
-              <a:t>23/07/2012</a:t>
+              <a:t>24/07/2012</a:t>
             </a:fld>
             <a:endParaRPr lang="en-CA"/>
           </a:p>
@@ -1865,7 +1865,7 @@
             <a:fld id="{29A1C4C6-CF9E-4C57-810C-C8B73CF99206}" type="datetimeFigureOut">
               <a:rPr lang="en-CA" smtClean="0"/>
               <a:pPr/>
-              <a:t>23/07/2012</a:t>
+              <a:t>24/07/2012</a:t>
             </a:fld>
             <a:endParaRPr lang="en-CA"/>
           </a:p>
@@ -1957,7 +1957,7 @@
             <a:fld id="{29A1C4C6-CF9E-4C57-810C-C8B73CF99206}" type="datetimeFigureOut">
               <a:rPr lang="en-CA" smtClean="0"/>
               <a:pPr/>
-              <a:t>23/07/2012</a:t>
+              <a:t>24/07/2012</a:t>
             </a:fld>
             <a:endParaRPr lang="en-CA"/>
           </a:p>
@@ -2231,7 +2231,7 @@
             <a:fld id="{29A1C4C6-CF9E-4C57-810C-C8B73CF99206}" type="datetimeFigureOut">
               <a:rPr lang="en-CA" smtClean="0"/>
               <a:pPr/>
-              <a:t>23/07/2012</a:t>
+              <a:t>24/07/2012</a:t>
             </a:fld>
             <a:endParaRPr lang="en-CA"/>
           </a:p>
@@ -2481,7 +2481,7 @@
             <a:fld id="{29A1C4C6-CF9E-4C57-810C-C8B73CF99206}" type="datetimeFigureOut">
               <a:rPr lang="en-CA" smtClean="0"/>
               <a:pPr/>
-              <a:t>23/07/2012</a:t>
+              <a:t>24/07/2012</a:t>
             </a:fld>
             <a:endParaRPr lang="en-CA"/>
           </a:p>
@@ -2691,7 +2691,7 @@
             <a:fld id="{29A1C4C6-CF9E-4C57-810C-C8B73CF99206}" type="datetimeFigureOut">
               <a:rPr lang="en-CA" smtClean="0"/>
               <a:pPr/>
-              <a:t>23/07/2012</a:t>
+              <a:t>24/07/2012</a:t>
             </a:fld>
             <a:endParaRPr lang="en-CA"/>
           </a:p>
@@ -3091,7 +3091,18 @@
                   </a:schemeClr>
                 </a:solidFill>
               </a:rPr>
-              <a:t>Analog Electronics Fundamentals 103</a:t>
+              <a:t>Analog Electronics Fundamentals </a:t>
+            </a:r>
+            <a:r>
+              <a:rPr lang="en-CA" dirty="0" smtClean="0">
+                <a:solidFill>
+                  <a:schemeClr val="tx1">
+                    <a:lumMod val="95000"/>
+                    <a:lumOff val="5000"/>
+                  </a:schemeClr>
+                </a:solidFill>
+              </a:rPr>
+              <a:t>104</a:t>
             </a:r>
             <a:endParaRPr lang="en-CA" dirty="0">
               <a:solidFill>
@@ -3122,7 +3133,7 @@
         </p:spPr>
         <p:txBody>
           <a:bodyPr>
-            <a:normAutofit/>
+            <a:normAutofit fontScale="92500"/>
           </a:bodyPr>
           <a:lstStyle/>
           <a:p>
@@ -3161,19 +3172,8 @@
                   </a:schemeClr>
                 </a:solidFill>
               </a:rPr>
-              <a:t>Operation Amplifiers (Op-amps)</a:t>
-            </a:r>
-            <a:endParaRPr lang="en-CA" dirty="0" smtClean="0">
-              <a:solidFill>
-                <a:schemeClr val="tx1">
-                  <a:lumMod val="75000"/>
-                  <a:lumOff val="25000"/>
-                </a:schemeClr>
-              </a:solidFill>
-            </a:endParaRPr>
-          </a:p>
-          <a:p>
-            <a:pPr algn="l"/>
+              <a:t>Operational </a:t>
+            </a:r>
             <a:r>
               <a:rPr lang="en-CA" dirty="0" smtClean="0">
                 <a:solidFill>
@@ -3183,8 +3183,11 @@
                   </a:schemeClr>
                 </a:solidFill>
               </a:rPr>
-              <a:t>-</a:t>
-            </a:r>
+              <a:t>Amplifiers (Op-amps)</a:t>
+            </a:r>
+          </a:p>
+          <a:p>
+            <a:pPr algn="l"/>
             <a:r>
               <a:rPr lang="en-CA" dirty="0" smtClean="0">
                 <a:solidFill>
@@ -3194,7 +3197,7 @@
                   </a:schemeClr>
                 </a:solidFill>
               </a:rPr>
-              <a:t>Final Project: Create Variable power supply 3v ~ 5v with 9v input</a:t>
+              <a:t>-Final Project: Create Variable power supply 3v ~ 5v with 9v input</a:t>
             </a:r>
             <a:endParaRPr lang="en-CA" dirty="0">
               <a:solidFill>
@@ -3373,38 +3376,14 @@
             <a:pPr algn="just"/>
             <a:r>
               <a:rPr lang="en-CA" sz="1400" dirty="0" smtClean="0"/>
-              <a:t>The field-effect transistor (FET) is a transistor that uses an electric field to control the shape and hence the conductivity of a channel of one type of charge carrier in a semiconductor material. The concept of the FET predates the BJT, though it was not physically implemented until after BJTs due to the limitations of semiconductor materials and the relative ease of manufacturing BJTs compared to FETs at the </a:t>
-            </a:r>
+              <a:t>The field-effect transistor (FET) is a transistor that uses an electric field to control the shape and hence the conductivity of a channel of one type of charge carrier in a semiconductor material. The concept of the FET predates the BJT, though it was not physically implemented until after BJTs due to the limitations of semiconductor materials and the relative ease of manufacturing BJTs compared to FETs at the time.</a:t>
+            </a:r>
+          </a:p>
+          <a:p>
+            <a:pPr algn="just"/>
             <a:r>
               <a:rPr lang="en-CA" sz="1400" dirty="0" smtClean="0"/>
-              <a:t>time.</a:t>
-            </a:r>
-          </a:p>
-          <a:p>
-            <a:pPr algn="just"/>
-            <a:r>
-              <a:rPr lang="en-CA" sz="1400" dirty="0" smtClean="0"/>
-              <a:t>The FET controls the flow of electrons </a:t>
-            </a:r>
-            <a:r>
-              <a:rPr lang="en-CA" sz="1400" dirty="0" smtClean="0"/>
-              <a:t>from </a:t>
-            </a:r>
-            <a:r>
-              <a:rPr lang="en-CA" sz="1400" dirty="0" smtClean="0"/>
-              <a:t>the source to drain by affecting the size and shape of a "conductive channel" </a:t>
-            </a:r>
-            <a:r>
-              <a:rPr lang="en-CA" sz="1400" dirty="0" smtClean="0"/>
-              <a:t>influenced </a:t>
-            </a:r>
-            <a:r>
-              <a:rPr lang="en-CA" sz="1400" dirty="0" smtClean="0"/>
-              <a:t>by voltage (or lack of voltage) applied across the </a:t>
-            </a:r>
-            <a:r>
-              <a:rPr lang="en-CA" sz="1400" dirty="0" smtClean="0"/>
-              <a:t>gate.</a:t>
+              <a:t>The FET controls the flow of electrons from the source to drain by affecting the size and shape of a "conductive channel" influenced by voltage (or lack of voltage) applied across the gate.</a:t>
             </a:r>
           </a:p>
         </p:txBody>
@@ -3593,11 +3572,7 @@
             <a:pPr algn="l"/>
             <a:r>
               <a:rPr lang="en-CA" dirty="0" smtClean="0"/>
-              <a:t>2</a:t>
-            </a:r>
-            <a:r>
-              <a:rPr lang="en-CA" dirty="0" smtClean="0"/>
-              <a:t>	 </a:t>
+              <a:t>2	 </a:t>
             </a:r>
             <a:r>
               <a:rPr lang="en-CA" dirty="0" smtClean="0">
@@ -3608,7 +3583,18 @@
                   </a:schemeClr>
                 </a:solidFill>
               </a:rPr>
-              <a:t>Operation Amplifiers (Op-amps)</a:t>
+              <a:t>Operational </a:t>
+            </a:r>
+            <a:r>
+              <a:rPr lang="en-CA" dirty="0" smtClean="0">
+                <a:solidFill>
+                  <a:schemeClr val="tx1">
+                    <a:lumMod val="75000"/>
+                    <a:lumOff val="25000"/>
+                  </a:schemeClr>
+                </a:solidFill>
+              </a:rPr>
+              <a:t>Amplifiers (Op-amps)</a:t>
             </a:r>
             <a:endParaRPr lang="en-CA" u="sng" dirty="0"/>
           </a:p>
@@ -3639,11 +3625,7 @@
             <a:pPr algn="just"/>
             <a:r>
               <a:rPr lang="en-CA" sz="1400" dirty="0" smtClean="0"/>
-              <a:t>An operational amplifier ("op-amp") is a high-gain electronic voltage amplifier, usually, a single output. An op-amp produces an output voltage that is typically hundreds of thousands times larger than the voltage difference between its input terminals</a:t>
-            </a:r>
-            <a:r>
-              <a:rPr lang="en-CA" sz="1400" dirty="0" smtClean="0"/>
-              <a:t>.</a:t>
+              <a:t>An operational amplifier ("op-amp") is a high-gain electronic voltage amplifier, usually, a single output. An op-amp produces an output voltage that is typically hundreds of thousands times larger than the voltage difference between its input terminals.</a:t>
             </a:r>
           </a:p>
           <a:p>
@@ -3906,11 +3888,7 @@
             <a:pPr algn="l"/>
             <a:r>
               <a:rPr lang="en-CA" dirty="0" smtClean="0"/>
-              <a:t>3</a:t>
-            </a:r>
-            <a:r>
-              <a:rPr lang="en-CA" dirty="0" smtClean="0"/>
-              <a:t>	</a:t>
+              <a:t>3	</a:t>
             </a:r>
             <a:r>
               <a:rPr lang="en-CA" sz="4000" dirty="0" smtClean="0"/>
@@ -3925,18 +3903,7 @@
                   </a:schemeClr>
                 </a:solidFill>
               </a:rPr>
-              <a:t>Final Project: Variable Supply </a:t>
-            </a:r>
-            <a:r>
-              <a:rPr lang="en-CA" sz="4000" dirty="0" smtClean="0">
-                <a:solidFill>
-                  <a:schemeClr val="tx1">
-                    <a:lumMod val="75000"/>
-                    <a:lumOff val="25000"/>
-                  </a:schemeClr>
-                </a:solidFill>
-              </a:rPr>
-              <a:t>1.25v~Xv</a:t>
+              <a:t>Final Project: Variable Supply 1.25v~Xv</a:t>
             </a:r>
             <a:endParaRPr lang="en-CA" sz="4000" u="sng" dirty="0"/>
           </a:p>
@@ -4057,13 +4024,7 @@
               <a:rPr lang="en-CA" sz="1400" dirty="0" smtClean="0">
                 <a:cs typeface="Andalus" pitchFamily="18" charset="-78"/>
               </a:rPr>
-              <a:t>Schematic </a:t>
-            </a:r>
-            <a:r>
-              <a:rPr lang="en-CA" sz="1400" dirty="0" smtClean="0">
-                <a:cs typeface="Andalus" pitchFamily="18" charset="-78"/>
-              </a:rPr>
-              <a:t>provided with the LM317 datasheet, on the first page. </a:t>
+              <a:t>Schematic provided with the LM317 datasheet, on the first page. </a:t>
             </a:r>
             <a:r>
               <a:rPr lang="en-CA" sz="1400" dirty="0" smtClean="0"/>
